--- a/PCB/07 Change Management/Change Management process.pptx
+++ b/PCB/07 Change Management/Change Management process.pptx
@@ -141,7 +141,7 @@
           <a:p>
             <a:fld id="{34968763-1455-794A-A008-A0709535D7F4}" type="datetimeFigureOut">
               <a:rPr lang="zh-CN" altLang="en-US" smtClean="0"/>
-              <a:t>14/08/15</a:t>
+              <a:t>16/08/15</a:t>
             </a:fld>
             <a:endParaRPr lang="en-GB"/>
           </a:p>
@@ -898,7 +898,7 @@
           <a:p>
             <a:fld id="{34968763-1455-794A-A008-A0709535D7F4}" type="datetimeFigureOut">
               <a:rPr lang="zh-CN" altLang="en-US" smtClean="0"/>
-              <a:t>14/08/15</a:t>
+              <a:t>16/08/15</a:t>
             </a:fld>
             <a:endParaRPr lang="en-GB"/>
           </a:p>
@@ -1522,7 +1522,7 @@
           <a:p>
             <a:fld id="{34968763-1455-794A-A008-A0709535D7F4}" type="datetimeFigureOut">
               <a:rPr lang="zh-CN" altLang="en-US" smtClean="0"/>
-              <a:t>14/08/15</a:t>
+              <a:t>16/08/15</a:t>
             </a:fld>
             <a:endParaRPr lang="en-GB"/>
           </a:p>
@@ -1945,7 +1945,7 @@
           <a:p>
             <a:fld id="{34968763-1455-794A-A008-A0709535D7F4}" type="datetimeFigureOut">
               <a:rPr lang="zh-CN" altLang="en-US" smtClean="0"/>
-              <a:t>14/08/15</a:t>
+              <a:t>16/08/15</a:t>
             </a:fld>
             <a:endParaRPr lang="en-GB"/>
           </a:p>
@@ -2122,7 +2122,7 @@
           <a:p>
             <a:fld id="{34968763-1455-794A-A008-A0709535D7F4}" type="datetimeFigureOut">
               <a:rPr lang="zh-CN" altLang="en-US" smtClean="0"/>
-              <a:t>14/08/15</a:t>
+              <a:t>16/08/15</a:t>
             </a:fld>
             <a:endParaRPr lang="en-GB"/>
           </a:p>
@@ -2939,7 +2939,7 @@
           <a:p>
             <a:fld id="{34968763-1455-794A-A008-A0709535D7F4}" type="datetimeFigureOut">
               <a:rPr lang="zh-CN" altLang="en-US" smtClean="0"/>
-              <a:t>14/08/15</a:t>
+              <a:t>16/08/15</a:t>
             </a:fld>
             <a:endParaRPr lang="en-GB"/>
           </a:p>
@@ -3450,7 +3450,7 @@
           <a:p>
             <a:fld id="{34968763-1455-794A-A008-A0709535D7F4}" type="datetimeFigureOut">
               <a:rPr lang="zh-CN" altLang="en-US" smtClean="0"/>
-              <a:t>14/08/15</a:t>
+              <a:t>16/08/15</a:t>
             </a:fld>
             <a:endParaRPr lang="en-GB"/>
           </a:p>
@@ -3683,7 +3683,7 @@
           <a:p>
             <a:fld id="{34968763-1455-794A-A008-A0709535D7F4}" type="datetimeFigureOut">
               <a:rPr lang="zh-CN" altLang="en-US" smtClean="0"/>
-              <a:t>14/08/15</a:t>
+              <a:t>16/08/15</a:t>
             </a:fld>
             <a:endParaRPr lang="en-GB"/>
           </a:p>
@@ -4208,7 +4208,7 @@
           <a:p>
             <a:fld id="{34968763-1455-794A-A008-A0709535D7F4}" type="datetimeFigureOut">
               <a:rPr lang="zh-CN" altLang="en-US" smtClean="0"/>
-              <a:t>14/08/15</a:t>
+              <a:t>16/08/15</a:t>
             </a:fld>
             <a:endParaRPr lang="en-GB"/>
           </a:p>
@@ -4343,7 +4343,7 @@
           <a:p>
             <a:fld id="{34968763-1455-794A-A008-A0709535D7F4}" type="datetimeFigureOut">
               <a:rPr lang="zh-CN" altLang="en-US" smtClean="0"/>
-              <a:t>14/08/15</a:t>
+              <a:t>16/08/15</a:t>
             </a:fld>
             <a:endParaRPr lang="en-GB"/>
           </a:p>
@@ -5241,7 +5241,7 @@
           <a:p>
             <a:fld id="{34968763-1455-794A-A008-A0709535D7F4}" type="datetimeFigureOut">
               <a:rPr lang="zh-CN" altLang="en-US" smtClean="0"/>
-              <a:t>14/08/15</a:t>
+              <a:t>16/08/15</a:t>
             </a:fld>
             <a:endParaRPr lang="en-GB"/>
           </a:p>
@@ -5364,7 +5364,7 @@
           <a:p>
             <a:fld id="{34968763-1455-794A-A008-A0709535D7F4}" type="datetimeFigureOut">
               <a:rPr lang="zh-CN" altLang="en-US" smtClean="0"/>
-              <a:t>14/08/15</a:t>
+              <a:t>16/08/15</a:t>
             </a:fld>
             <a:endParaRPr lang="en-GB"/>
           </a:p>
@@ -6248,7 +6248,7 @@
           <a:p>
             <a:fld id="{34968763-1455-794A-A008-A0709535D7F4}" type="datetimeFigureOut">
               <a:rPr lang="zh-CN" altLang="en-US" smtClean="0"/>
-              <a:t>14/08/15</a:t>
+              <a:t>16/08/15</a:t>
             </a:fld>
             <a:endParaRPr lang="en-GB"/>
           </a:p>
@@ -6896,7 +6896,7 @@
           <a:p>
             <a:fld id="{34968763-1455-794A-A008-A0709535D7F4}" type="datetimeFigureOut">
               <a:rPr lang="zh-CN" altLang="en-US" smtClean="0"/>
-              <a:t>14/08/15</a:t>
+              <a:t>16/08/15</a:t>
             </a:fld>
             <a:endParaRPr lang="en-GB"/>
           </a:p>
@@ -7212,7 +7212,7 @@
           <a:p>
             <a:fld id="{34968763-1455-794A-A008-A0709535D7F4}" type="datetimeFigureOut">
               <a:rPr lang="zh-CN" altLang="en-US" smtClean="0"/>
-              <a:t>14/08/15</a:t>
+              <a:t>16/08/15</a:t>
             </a:fld>
             <a:endParaRPr lang="en-GB"/>
           </a:p>
@@ -7302,7 +7302,7 @@
           <a:p>
             <a:fld id="{34968763-1455-794A-A008-A0709535D7F4}" type="datetimeFigureOut">
               <a:rPr lang="zh-CN" altLang="en-US" smtClean="0"/>
-              <a:t>14/08/15</a:t>
+              <a:t>16/08/15</a:t>
             </a:fld>
             <a:endParaRPr lang="en-GB"/>
           </a:p>
@@ -7630,7 +7630,7 @@
           <a:p>
             <a:fld id="{34968763-1455-794A-A008-A0709535D7F4}" type="datetimeFigureOut">
               <a:rPr lang="zh-CN" altLang="en-US" smtClean="0"/>
-              <a:t>14/08/15</a:t>
+              <a:t>16/08/15</a:t>
             </a:fld>
             <a:endParaRPr lang="en-GB"/>
           </a:p>
@@ -8140,7 +8140,7 @@
           <p:nvPr>
             <p:extLst>
               <p:ext uri="{D42A27DB-BD31-4B8C-83A1-F6EECF244321}">
-                <p14:modId xmlns:p14="http://schemas.microsoft.com/office/powerpoint/2010/main" val="1820683523"/>
+                <p14:modId xmlns:p14="http://schemas.microsoft.com/office/powerpoint/2010/main" val="1264377458"/>
               </p:ext>
             </p:extLst>
           </p:nvPr>
@@ -8219,10 +8219,7 @@
                       <a:tailEnd type="none" w="med" len="med"/>
                     </a:lnB>
                     <a:solidFill>
-                      <a:schemeClr val="accent1">
-                        <a:lumMod val="20000"/>
-                        <a:lumOff val="80000"/>
-                      </a:schemeClr>
+                      <a:srgbClr val="E0FEB6"/>
                     </a:solidFill>
                   </a:tcPr>
                 </a:tc>
@@ -8350,10 +8347,7 @@
                       <a:tailEnd type="none" w="med" len="med"/>
                     </a:lnB>
                     <a:solidFill>
-                      <a:schemeClr val="accent1">
-                        <a:lumMod val="20000"/>
-                        <a:lumOff val="80000"/>
-                      </a:schemeClr>
+                      <a:srgbClr val="E0FEB6"/>
                     </a:solidFill>
                   </a:tcPr>
                 </a:tc>
